--- a/课程PPT/05.JS赋值、算数、关系运算符.pptx
+++ b/课程PPT/05.JS赋值、算数、关系运算符.pptx
@@ -5,17 +5,17 @@
     <p:sldMasterId id="2147483648" r:id="rId1"/>
   </p:sldMasterIdLst>
   <p:notesMasterIdLst>
-    <p:notesMasterId r:id="rId10"/>
+    <p:notesMasterId r:id="rId6"/>
   </p:notesMasterIdLst>
   <p:sldIdLst>
-    <p:sldId id="1267" r:id="rId2"/>
-    <p:sldId id="1268" r:id="rId3"/>
-    <p:sldId id="1289" r:id="rId4"/>
-    <p:sldId id="1291" r:id="rId5"/>
-    <p:sldId id="1290" r:id="rId6"/>
-    <p:sldId id="1292" r:id="rId7"/>
-    <p:sldId id="1293" r:id="rId8"/>
-    <p:sldId id="1270" r:id="rId9"/>
+    <p:sldId id="1267" r:id="rId3"/>
+    <p:sldId id="1268" r:id="rId4"/>
+    <p:sldId id="1289" r:id="rId5"/>
+    <p:sldId id="1291" r:id="rId7"/>
+    <p:sldId id="1290" r:id="rId8"/>
+    <p:sldId id="1292" r:id="rId9"/>
+    <p:sldId id="1293" r:id="rId10"/>
+    <p:sldId id="1270" r:id="rId11"/>
   </p:sldIdLst>
   <p:sldSz cx="12192000" cy="6858000"/>
   <p:notesSz cx="6797675" cy="9928225"/>
@@ -334,6 +334,7 @@
               <a:rPr lang="zh-CN" altLang="zh-CN" noProof="0" smtClean="0"/>
               <a:t>                                                   </a:t>
             </a:r>
+            <a:endParaRPr lang="zh-CN" altLang="zh-CN" noProof="0" smtClean="0"/>
           </a:p>
           <a:p>
             <a:pPr lvl="1"/>
@@ -341,6 +342,7 @@
               <a:rPr lang="zh-CN" altLang="zh-CN" noProof="0" smtClean="0"/>
               <a:t>               </a:t>
             </a:r>
+            <a:endParaRPr lang="zh-CN" altLang="zh-CN" noProof="0" smtClean="0"/>
           </a:p>
           <a:p>
             <a:pPr lvl="2"/>
@@ -348,6 +350,7 @@
               <a:rPr lang="zh-CN" altLang="zh-CN" noProof="0" smtClean="0"/>
               <a:t>                </a:t>
             </a:r>
+            <a:endParaRPr lang="zh-CN" altLang="zh-CN" noProof="0" smtClean="0"/>
           </a:p>
           <a:p>
             <a:pPr lvl="3"/>
@@ -355,6 +358,7 @@
               <a:rPr lang="zh-CN" altLang="zh-CN" noProof="0" smtClean="0"/>
               <a:t>                </a:t>
             </a:r>
+            <a:endParaRPr lang="zh-CN" altLang="zh-CN" noProof="0" smtClean="0"/>
           </a:p>
           <a:p>
             <a:pPr lvl="4"/>
@@ -362,6 +366,7 @@
               <a:rPr lang="zh-CN" altLang="zh-CN" noProof="0" smtClean="0"/>
               <a:t>                </a:t>
             </a:r>
+            <a:endParaRPr lang="zh-CN" altLang="zh-CN" noProof="0" smtClean="0"/>
           </a:p>
         </p:txBody>
       </p:sp>
@@ -444,18 +449,12 @@
           <a:p>
             <a:fld id="{D9AFD278-84AA-4CAA-9049-809825956FE0}" type="slidenum">
               <a:rPr lang="en-US" altLang="zh-CN"/>
-              <a:t>‹#›</a:t>
             </a:fld>
             <a:endParaRPr lang="zh-CN" altLang="zh-CN"/>
           </a:p>
         </p:txBody>
       </p:sp>
     </p:spTree>
-    <p:extLst>
-      <p:ext uri="{BB962C8B-B14F-4D97-AF65-F5344CB8AC3E}">
-        <p14:creationId xmlns:p14="http://schemas.microsoft.com/office/powerpoint/2010/main" val="2912223265"/>
-      </p:ext>
-    </p:extLst>
   </p:cSld>
   <p:clrMap bg1="lt1" tx1="dk1" bg2="lt2" tx2="dk2" accent1="accent1" accent2="accent2" accent3="accent3" accent4="accent4" accent5="accent5" accent6="accent6" hlink="hlink" folHlink="folHlink"/>
   <p:notesStyle>
@@ -631,6 +630,7 @@
               <a:rPr lang="zh-CN" altLang="en-US" dirty="0" smtClean="0"/>
               <a:t>脚本语言是由传统编程语言简化而来的语言，因此有很多相似之处。</a:t>
             </a:r>
+            <a:endParaRPr lang="zh-CN" altLang="en-US" dirty="0" smtClean="0"/>
           </a:p>
           <a:p>
             <a:endParaRPr lang="zh-CN" altLang="en-US" dirty="0"/>
@@ -657,7 +657,6 @@
             </a:pPr>
             <a:fld id="{50FA7BE5-9B7D-4F20-881C-9A0B90E6FF72}" type="slidenum">
               <a:rPr lang="zh-CN" altLang="zh-CN" smtClean="0"/>
-              <a:t>3</a:t>
             </a:fld>
             <a:endParaRPr lang="zh-CN" altLang="zh-CN"/>
           </a:p>
@@ -719,6 +718,7 @@
               <a:rPr lang="zh-CN" altLang="en-US" dirty="0" smtClean="0"/>
               <a:t>脚本语言是由传统编程语言简化而来的语言，因此有很多相似之处。</a:t>
             </a:r>
+            <a:endParaRPr lang="zh-CN" altLang="en-US" dirty="0" smtClean="0"/>
           </a:p>
           <a:p>
             <a:endParaRPr lang="zh-CN" altLang="en-US" dirty="0"/>
@@ -745,7 +745,6 @@
             </a:pPr>
             <a:fld id="{50FA7BE5-9B7D-4F20-881C-9A0B90E6FF72}" type="slidenum">
               <a:rPr lang="zh-CN" altLang="zh-CN" smtClean="0"/>
-              <a:t>5</a:t>
             </a:fld>
             <a:endParaRPr lang="zh-CN" altLang="zh-CN"/>
           </a:p>
@@ -807,6 +806,7 @@
               <a:rPr lang="zh-CN" altLang="en-US" dirty="0" smtClean="0"/>
               <a:t>脚本语言是由传统编程语言简化而来的语言，因此有很多相似之处。</a:t>
             </a:r>
+            <a:endParaRPr lang="zh-CN" altLang="en-US" dirty="0" smtClean="0"/>
           </a:p>
           <a:p>
             <a:endParaRPr lang="zh-CN" altLang="en-US" dirty="0"/>
@@ -833,7 +833,6 @@
             </a:pPr>
             <a:fld id="{50FA7BE5-9B7D-4F20-881C-9A0B90E6FF72}" type="slidenum">
               <a:rPr lang="zh-CN" altLang="zh-CN" smtClean="0"/>
-              <a:t>7</a:t>
             </a:fld>
             <a:endParaRPr lang="zh-CN" altLang="zh-CN"/>
           </a:p>
@@ -917,6 +916,7 @@
               <a:rPr lang="zh-CN" altLang="en-US" dirty="0" smtClean="0"/>
               <a:t>单击此处编辑母版文本样式</a:t>
             </a:r>
+            <a:endParaRPr lang="zh-CN" altLang="en-US" dirty="0" smtClean="0"/>
           </a:p>
           <a:p>
             <a:pPr lvl="1"/>
@@ -924,6 +924,7 @@
               <a:rPr lang="zh-CN" altLang="en-US" dirty="0" smtClean="0"/>
               <a:t>第二级</a:t>
             </a:r>
+            <a:endParaRPr lang="zh-CN" altLang="en-US" dirty="0" smtClean="0"/>
           </a:p>
           <a:p>
             <a:pPr lvl="2"/>
@@ -931,6 +932,7 @@
               <a:rPr lang="zh-CN" altLang="en-US" dirty="0" smtClean="0"/>
               <a:t>第三级</a:t>
             </a:r>
+            <a:endParaRPr lang="zh-CN" altLang="en-US" dirty="0" smtClean="0"/>
           </a:p>
           <a:p>
             <a:pPr lvl="3"/>
@@ -938,6 +940,7 @@
               <a:rPr lang="zh-CN" altLang="en-US" dirty="0" smtClean="0"/>
               <a:t>第四级</a:t>
             </a:r>
+            <a:endParaRPr lang="zh-CN" altLang="en-US" dirty="0" smtClean="0"/>
           </a:p>
         </p:txBody>
       </p:sp>
@@ -999,6 +1002,7 @@
               <a:rPr lang="zh-CN" altLang="en-US" dirty="0" smtClean="0"/>
               <a:t>单击此处编辑母版文本样式</a:t>
             </a:r>
+            <a:endParaRPr lang="zh-CN" altLang="en-US" dirty="0" smtClean="0"/>
           </a:p>
         </p:txBody>
       </p:sp>
@@ -1055,7 +1059,6 @@
           <a:p>
             <a:fld id="{2030C94F-1E7C-47E3-9C60-176A530B03BF}" type="slidenum">
               <a:rPr lang="en-US" altLang="zh-CN"/>
-              <a:t>‹#›</a:t>
             </a:fld>
             <a:endParaRPr lang="zh-CN" altLang="zh-CN" sz="3200" b="0"/>
           </a:p>
@@ -1146,6 +1149,7 @@
               <a:rPr lang="zh-CN" altLang="en-US" dirty="0" smtClean="0"/>
               <a:t>单击此处编辑母版文本样式</a:t>
             </a:r>
+            <a:endParaRPr lang="zh-CN" altLang="en-US" dirty="0" smtClean="0"/>
           </a:p>
           <a:p>
             <a:pPr lvl="1"/>
@@ -1153,6 +1157,7 @@
               <a:rPr lang="zh-CN" altLang="en-US" dirty="0" smtClean="0"/>
               <a:t>第二级</a:t>
             </a:r>
+            <a:endParaRPr lang="zh-CN" altLang="en-US" dirty="0" smtClean="0"/>
           </a:p>
           <a:p>
             <a:pPr lvl="2"/>
@@ -1160,6 +1165,7 @@
               <a:rPr lang="zh-CN" altLang="en-US" dirty="0" smtClean="0"/>
               <a:t>第三级</a:t>
             </a:r>
+            <a:endParaRPr lang="zh-CN" altLang="en-US" dirty="0" smtClean="0"/>
           </a:p>
           <a:p>
             <a:pPr lvl="3"/>
@@ -1167,6 +1173,7 @@
               <a:rPr lang="zh-CN" altLang="en-US" dirty="0" smtClean="0"/>
               <a:t>第四级</a:t>
             </a:r>
+            <a:endParaRPr lang="zh-CN" altLang="en-US" dirty="0" smtClean="0"/>
           </a:p>
         </p:txBody>
       </p:sp>
@@ -1224,6 +1231,7 @@
               <a:rPr lang="zh-CN" altLang="en-US" dirty="0" smtClean="0"/>
               <a:t>单击此处编辑母版文本样式</a:t>
             </a:r>
+            <a:endParaRPr lang="zh-CN" altLang="en-US" dirty="0" smtClean="0"/>
           </a:p>
         </p:txBody>
       </p:sp>
@@ -1305,6 +1313,7 @@
               <a:rPr lang="zh-CN" altLang="en-US" dirty="0" smtClean="0"/>
               <a:t>单击此处编辑母版文本样式</a:t>
             </a:r>
+            <a:endParaRPr lang="zh-CN" altLang="en-US" dirty="0" smtClean="0"/>
           </a:p>
           <a:p>
             <a:pPr lvl="1"/>
@@ -1312,6 +1321,7 @@
               <a:rPr lang="zh-CN" altLang="en-US" dirty="0" smtClean="0"/>
               <a:t>第二级</a:t>
             </a:r>
+            <a:endParaRPr lang="zh-CN" altLang="en-US" dirty="0" smtClean="0"/>
           </a:p>
           <a:p>
             <a:pPr lvl="2"/>
@@ -1319,6 +1329,7 @@
               <a:rPr lang="zh-CN" altLang="en-US" dirty="0" smtClean="0"/>
               <a:t>第三级</a:t>
             </a:r>
+            <a:endParaRPr lang="zh-CN" altLang="en-US" dirty="0" smtClean="0"/>
           </a:p>
           <a:p>
             <a:pPr lvl="3"/>
@@ -1326,6 +1337,7 @@
               <a:rPr lang="zh-CN" altLang="en-US" dirty="0" smtClean="0"/>
               <a:t>第四级</a:t>
             </a:r>
+            <a:endParaRPr lang="zh-CN" altLang="en-US" dirty="0" smtClean="0"/>
           </a:p>
         </p:txBody>
       </p:sp>
@@ -1383,6 +1395,7 @@
               <a:rPr lang="zh-CN" altLang="en-US" dirty="0" smtClean="0"/>
               <a:t>单击此处编辑母版文本样式</a:t>
             </a:r>
+            <a:endParaRPr lang="zh-CN" altLang="en-US" dirty="0" smtClean="0"/>
           </a:p>
         </p:txBody>
       </p:sp>
@@ -1464,6 +1477,7 @@
               <a:rPr lang="zh-CN" altLang="en-US" dirty="0" smtClean="0"/>
               <a:t>单击此处编辑母版文本样式</a:t>
             </a:r>
+            <a:endParaRPr lang="zh-CN" altLang="en-US" dirty="0" smtClean="0"/>
           </a:p>
           <a:p>
             <a:pPr lvl="1"/>
@@ -1471,6 +1485,7 @@
               <a:rPr lang="zh-CN" altLang="en-US" dirty="0" smtClean="0"/>
               <a:t>第二级</a:t>
             </a:r>
+            <a:endParaRPr lang="zh-CN" altLang="en-US" dirty="0" smtClean="0"/>
           </a:p>
           <a:p>
             <a:pPr lvl="2"/>
@@ -1478,6 +1493,7 @@
               <a:rPr lang="zh-CN" altLang="en-US" dirty="0" smtClean="0"/>
               <a:t>第三级</a:t>
             </a:r>
+            <a:endParaRPr lang="zh-CN" altLang="en-US" dirty="0" smtClean="0"/>
           </a:p>
           <a:p>
             <a:pPr lvl="3"/>
@@ -1485,6 +1501,7 @@
               <a:rPr lang="zh-CN" altLang="en-US" dirty="0" smtClean="0"/>
               <a:t>第四级</a:t>
             </a:r>
+            <a:endParaRPr lang="zh-CN" altLang="en-US" dirty="0" smtClean="0"/>
           </a:p>
         </p:txBody>
       </p:sp>
@@ -1542,6 +1559,7 @@
               <a:rPr lang="zh-CN" altLang="en-US" dirty="0" smtClean="0"/>
               <a:t>单击此处编辑母版文本样式</a:t>
             </a:r>
+            <a:endParaRPr lang="zh-CN" altLang="en-US" dirty="0" smtClean="0"/>
           </a:p>
         </p:txBody>
       </p:sp>
@@ -1623,6 +1641,7 @@
               <a:rPr lang="zh-CN" altLang="en-US" dirty="0" smtClean="0"/>
               <a:t>单击此处编辑母版文本样式</a:t>
             </a:r>
+            <a:endParaRPr lang="zh-CN" altLang="en-US" dirty="0" smtClean="0"/>
           </a:p>
           <a:p>
             <a:pPr lvl="1"/>
@@ -1630,6 +1649,7 @@
               <a:rPr lang="zh-CN" altLang="en-US" dirty="0" smtClean="0"/>
               <a:t>第二级</a:t>
             </a:r>
+            <a:endParaRPr lang="zh-CN" altLang="en-US" dirty="0" smtClean="0"/>
           </a:p>
           <a:p>
             <a:pPr lvl="2"/>
@@ -1637,6 +1657,7 @@
               <a:rPr lang="zh-CN" altLang="en-US" dirty="0" smtClean="0"/>
               <a:t>第三级</a:t>
             </a:r>
+            <a:endParaRPr lang="zh-CN" altLang="en-US" dirty="0" smtClean="0"/>
           </a:p>
           <a:p>
             <a:pPr lvl="3"/>
@@ -1644,6 +1665,7 @@
               <a:rPr lang="zh-CN" altLang="en-US" dirty="0" smtClean="0"/>
               <a:t>第四级</a:t>
             </a:r>
+            <a:endParaRPr lang="zh-CN" altLang="en-US" dirty="0" smtClean="0"/>
           </a:p>
         </p:txBody>
       </p:sp>
@@ -1701,6 +1723,7 @@
               <a:rPr lang="zh-CN" altLang="en-US" dirty="0" smtClean="0"/>
               <a:t>单击此处编辑母版文本样式</a:t>
             </a:r>
+            <a:endParaRPr lang="zh-CN" altLang="en-US" dirty="0" smtClean="0"/>
           </a:p>
         </p:txBody>
       </p:sp>
@@ -1782,6 +1805,7 @@
               <a:rPr lang="zh-CN" altLang="en-US" dirty="0" smtClean="0"/>
               <a:t>单击此处编辑母版文本样式</a:t>
             </a:r>
+            <a:endParaRPr lang="zh-CN" altLang="en-US" dirty="0" smtClean="0"/>
           </a:p>
           <a:p>
             <a:pPr lvl="1"/>
@@ -1789,6 +1813,7 @@
               <a:rPr lang="zh-CN" altLang="en-US" dirty="0" smtClean="0"/>
               <a:t>第二级</a:t>
             </a:r>
+            <a:endParaRPr lang="zh-CN" altLang="en-US" dirty="0" smtClean="0"/>
           </a:p>
           <a:p>
             <a:pPr lvl="2"/>
@@ -1796,6 +1821,7 @@
               <a:rPr lang="zh-CN" altLang="en-US" dirty="0" smtClean="0"/>
               <a:t>第三级</a:t>
             </a:r>
+            <a:endParaRPr lang="zh-CN" altLang="en-US" dirty="0" smtClean="0"/>
           </a:p>
           <a:p>
             <a:pPr lvl="3"/>
@@ -1803,6 +1829,7 @@
               <a:rPr lang="zh-CN" altLang="en-US" dirty="0" smtClean="0"/>
               <a:t>第四级</a:t>
             </a:r>
+            <a:endParaRPr lang="zh-CN" altLang="en-US" dirty="0" smtClean="0"/>
           </a:p>
         </p:txBody>
       </p:sp>
@@ -1860,6 +1887,7 @@
               <a:rPr lang="zh-CN" altLang="en-US" dirty="0" smtClean="0"/>
               <a:t>单击此处编辑母版文本样式</a:t>
             </a:r>
+            <a:endParaRPr lang="zh-CN" altLang="en-US" dirty="0" smtClean="0"/>
           </a:p>
         </p:txBody>
       </p:sp>
@@ -1941,6 +1969,7 @@
               <a:rPr lang="zh-CN" altLang="en-US" dirty="0" smtClean="0"/>
               <a:t>单击此处编辑母版文本样式</a:t>
             </a:r>
+            <a:endParaRPr lang="zh-CN" altLang="en-US" dirty="0" smtClean="0"/>
           </a:p>
           <a:p>
             <a:pPr lvl="1"/>
@@ -1948,6 +1977,7 @@
               <a:rPr lang="zh-CN" altLang="en-US" dirty="0" smtClean="0"/>
               <a:t>第二级</a:t>
             </a:r>
+            <a:endParaRPr lang="zh-CN" altLang="en-US" dirty="0" smtClean="0"/>
           </a:p>
           <a:p>
             <a:pPr lvl="2"/>
@@ -1955,6 +1985,7 @@
               <a:rPr lang="zh-CN" altLang="en-US" dirty="0" smtClean="0"/>
               <a:t>第三级</a:t>
             </a:r>
+            <a:endParaRPr lang="zh-CN" altLang="en-US" dirty="0" smtClean="0"/>
           </a:p>
           <a:p>
             <a:pPr lvl="3"/>
@@ -1962,6 +1993,7 @@
               <a:rPr lang="zh-CN" altLang="en-US" dirty="0" smtClean="0"/>
               <a:t>第四级</a:t>
             </a:r>
+            <a:endParaRPr lang="zh-CN" altLang="en-US" dirty="0" smtClean="0"/>
           </a:p>
         </p:txBody>
       </p:sp>
@@ -2023,6 +2055,7 @@
               <a:rPr lang="zh-CN" altLang="en-US" dirty="0" smtClean="0"/>
               <a:t>单击此处编辑母版文本样式</a:t>
             </a:r>
+            <a:endParaRPr lang="zh-CN" altLang="en-US" dirty="0" smtClean="0"/>
           </a:p>
         </p:txBody>
       </p:sp>
@@ -2040,7 +2073,7 @@
     <p:bg bwMode="auto">
       <p:bgPr>
         <a:blipFill dpi="0" rotWithShape="0">
-          <a:blip r:embed="rId10"/>
+          <a:blip r:embed="rId9"/>
           <a:srcRect/>
           <a:stretch>
             <a:fillRect/>
@@ -2099,7 +2132,6 @@
           <a:p>
             <a:fld id="{43A45880-9E2A-43E4-955C-AEB11E14255E}" type="slidenum">
               <a:rPr lang="en-US" altLang="zh-CN"/>
-              <a:t>‹#›</a:t>
             </a:fld>
             <a:endParaRPr lang="zh-CN" altLang="zh-CN"/>
           </a:p>
@@ -2114,7 +2146,7 @@
           <p:nvPr/>
         </p:nvPicPr>
         <p:blipFill>
-          <a:blip r:embed="rId11">
+          <a:blip r:embed="rId10">
             <a:extLst>
               <a:ext uri="{28A0092B-C50C-407E-A947-70E740481C1C}">
                 <a14:useLocalDpi xmlns:a14="http://schemas.microsoft.com/office/drawing/2010/main" val="0"/>
@@ -2168,7 +2200,7 @@
           <p:nvPr/>
         </p:nvPicPr>
         <p:blipFill>
-          <a:blip r:embed="rId12">
+          <a:blip r:embed="rId11">
             <a:extLst>
               <a:ext uri="{28A0092B-C50C-407E-A947-70E740481C1C}">
                 <a14:useLocalDpi xmlns:a14="http://schemas.microsoft.com/office/drawing/2010/main" val="0"/>
@@ -2220,11 +2252,11 @@
     <p:sldLayoutId id="2147483649" r:id="rId1"/>
     <p:sldLayoutId id="2147483650" r:id="rId2"/>
     <p:sldLayoutId id="2147483651" r:id="rId3"/>
-    <p:sldLayoutId id="2147483653" r:id="rId4"/>
-    <p:sldLayoutId id="2147483654" r:id="rId5"/>
-    <p:sldLayoutId id="2147483655" r:id="rId6"/>
-    <p:sldLayoutId id="2147483656" r:id="rId7"/>
-    <p:sldLayoutId id="2147483657" r:id="rId8"/>
+    <p:sldLayoutId id="2147483652" r:id="rId4"/>
+    <p:sldLayoutId id="2147483653" r:id="rId5"/>
+    <p:sldLayoutId id="2147483654" r:id="rId6"/>
+    <p:sldLayoutId id="2147483655" r:id="rId7"/>
+    <p:sldLayoutId id="2147483656" r:id="rId8"/>
   </p:sldLayoutIdLst>
   <p:timing>
     <p:tnLst>
@@ -2680,7 +2712,7 @@
           <p:nvPr/>
         </p:nvPicPr>
         <p:blipFill>
-          <a:blip r:embed="rId2">
+          <a:blip r:embed="rId1">
             <a:extLst>
               <a:ext uri="{28A0092B-C50C-407E-A947-70E740481C1C}">
                 <a14:useLocalDpi xmlns:a14="http://schemas.microsoft.com/office/drawing/2010/main" val="0"/>
@@ -2979,7 +3011,7 @@
           <p:nvPr/>
         </p:nvPicPr>
         <p:blipFill>
-          <a:blip r:embed="rId3">
+          <a:blip r:embed="rId2">
             <a:extLst>
               <a:ext uri="{28A0092B-C50C-407E-A947-70E740481C1C}">
                 <a14:useLocalDpi xmlns:a14="http://schemas.microsoft.com/office/drawing/2010/main" val="0"/>
@@ -3235,6 +3267,11 @@
               </a:rPr>
               <a:t>赋值运算符</a:t>
             </a:r>
+            <a:endParaRPr lang="zh-CN" altLang="en-US" sz="2800" b="1">
+              <a:solidFill>
+                <a:srgbClr val="FF0000"/>
+              </a:solidFill>
+            </a:endParaRPr>
           </a:p>
           <a:p>
             <a:pPr algn="l">
@@ -3271,6 +3308,12 @@
               </a:rPr>
               <a:t>算数运算符</a:t>
             </a:r>
+            <a:endParaRPr lang="zh-CN" altLang="en-US" sz="2800" b="1">
+              <a:solidFill>
+                <a:schemeClr val="tx1"/>
+              </a:solidFill>
+              <a:sym typeface="+mn-ea"/>
+            </a:endParaRPr>
           </a:p>
           <a:p>
             <a:pPr algn="l">
@@ -3297,6 +3340,7 @@
               <a:rPr lang="zh-CN" altLang="en-US" sz="2800" b="1"/>
               <a:t>关系运算符</a:t>
             </a:r>
+            <a:endParaRPr lang="zh-CN" altLang="en-US" sz="2800" b="1"/>
           </a:p>
         </p:txBody>
       </p:sp>
@@ -3629,6 +3673,12 @@
               </a:rPr>
               <a:t>表达式要发反写，有什么好处）</a:t>
             </a:r>
+            <a:endParaRPr lang="zh-CN" sz="3200" dirty="0">
+              <a:solidFill>
+                <a:schemeClr val="tx1"/>
+              </a:solidFill>
+              <a:sym typeface="+mn-ea"/>
+            </a:endParaRPr>
           </a:p>
           <a:p>
             <a:pPr>
@@ -3650,15 +3700,6 @@
               </a:lnSpc>
               <a:buNone/>
             </a:pPr>
-            <a:r>
-              <a:rPr lang="zh-CN" altLang="en-US" sz="3200" dirty="0">
-                <a:solidFill>
-                  <a:schemeClr val="tx1"/>
-                </a:solidFill>
-                <a:sym typeface="+mn-ea"/>
-              </a:rPr>
-              <a:t/>
-            </a:r>
             <a:br>
               <a:rPr lang="zh-CN" altLang="en-US" sz="3200" dirty="0">
                 <a:solidFill>
@@ -3752,6 +3793,9 @@
               </a:rPr>
               <a:t>）</a:t>
             </a:r>
+            <a:endParaRPr lang="zh-CN" altLang="en-US" dirty="0" smtClean="0">
+              <a:sym typeface="+mn-ea"/>
+            </a:endParaRPr>
           </a:p>
         </p:txBody>
       </p:sp>
@@ -3798,6 +3842,13 @@
               </a:rPr>
               <a:t>demo11 </a:t>
             </a:r>
+            <a:endParaRPr lang="en-US" altLang="zh-CN" sz="2200">
+              <a:solidFill>
+                <a:srgbClr val="FF0000"/>
+              </a:solidFill>
+              <a:latin typeface="+mn-ea"/>
+              <a:ea typeface="+mn-ea"/>
+            </a:endParaRPr>
           </a:p>
         </p:txBody>
       </p:sp>
@@ -3810,7 +3861,7 @@
           <p:nvPr/>
         </p:nvPicPr>
         <p:blipFill>
-          <a:blip r:embed="rId3"/>
+          <a:blip r:embed="rId1"/>
           <a:srcRect b="7018"/>
           <a:stretch>
             <a:fillRect/>
@@ -4153,6 +4204,11 @@
               </a:rPr>
               <a:t>赋值运算符</a:t>
             </a:r>
+            <a:endParaRPr lang="zh-CN" altLang="en-US" sz="2800" b="1">
+              <a:solidFill>
+                <a:schemeClr val="tx1"/>
+              </a:solidFill>
+            </a:endParaRPr>
           </a:p>
           <a:p>
             <a:pPr algn="l">
@@ -4189,6 +4245,12 @@
               </a:rPr>
               <a:t>算数运算符</a:t>
             </a:r>
+            <a:endParaRPr lang="zh-CN" altLang="en-US" sz="2800" b="1">
+              <a:solidFill>
+                <a:schemeClr val="accent3"/>
+              </a:solidFill>
+              <a:sym typeface="+mn-ea"/>
+            </a:endParaRPr>
           </a:p>
           <a:p>
             <a:pPr algn="l">
@@ -4215,6 +4277,7 @@
               <a:rPr lang="zh-CN" altLang="en-US" sz="2800" b="1"/>
               <a:t>关系运算符</a:t>
             </a:r>
+            <a:endParaRPr lang="zh-CN" altLang="en-US" sz="2800" b="1"/>
           </a:p>
         </p:txBody>
       </p:sp>
@@ -4587,6 +4650,12 @@
               </a:rPr>
               <a:t>"5"-2; //3</a:t>
             </a:r>
+            <a:endParaRPr lang="en-US" altLang="zh-CN" sz="2000" dirty="0">
+              <a:solidFill>
+                <a:schemeClr val="tx1"/>
+              </a:solidFill>
+              <a:sym typeface="+mn-ea"/>
+            </a:endParaRPr>
           </a:p>
           <a:p>
             <a:pPr>
@@ -4745,15 +4814,6 @@
               </a:rPr>
               <a:t>的隐式类型转换</a:t>
             </a:r>
-            <a:r>
-              <a:rPr sz="2000" dirty="0">
-                <a:solidFill>
-                  <a:schemeClr val="tx1"/>
-                </a:solidFill>
-                <a:sym typeface="+mn-ea"/>
-              </a:rPr>
-              <a:t/>
-            </a:r>
             <a:br>
               <a:rPr sz="2000" dirty="0">
                 <a:solidFill>
@@ -4814,15 +4874,6 @@
                 <a:sym typeface="+mn-ea"/>
               </a:rPr>
               <a:t>11</a:t>
-            </a:r>
-            <a:r>
-              <a:rPr lang="zh-CN" altLang="en-US" sz="3200" dirty="0">
-                <a:solidFill>
-                  <a:schemeClr val="tx1"/>
-                </a:solidFill>
-                <a:sym typeface="+mn-ea"/>
-              </a:rPr>
-              <a:t/>
             </a:r>
             <a:br>
               <a:rPr lang="zh-CN" altLang="en-US" sz="3200" dirty="0">
@@ -4905,6 +4956,9 @@
               </a:rPr>
               <a:t>算数运算符</a:t>
             </a:r>
+            <a:endParaRPr lang="zh-CN" altLang="en-US" dirty="0" smtClean="0">
+              <a:sym typeface="+mn-ea"/>
+            </a:endParaRPr>
           </a:p>
         </p:txBody>
       </p:sp>
@@ -5514,6 +5568,11 @@
               </a:rPr>
               <a:t>赋值运算符</a:t>
             </a:r>
+            <a:endParaRPr lang="zh-CN" altLang="en-US" sz="2800" b="1">
+              <a:solidFill>
+                <a:schemeClr val="tx1"/>
+              </a:solidFill>
+            </a:endParaRPr>
           </a:p>
           <a:p>
             <a:pPr algn="l">
@@ -5550,6 +5609,12 @@
               </a:rPr>
               <a:t>算数运算符</a:t>
             </a:r>
+            <a:endParaRPr lang="zh-CN" altLang="en-US" sz="2800" b="1">
+              <a:solidFill>
+                <a:schemeClr val="tx1"/>
+              </a:solidFill>
+              <a:sym typeface="+mn-ea"/>
+            </a:endParaRPr>
           </a:p>
           <a:p>
             <a:pPr algn="l">
@@ -5584,6 +5649,11 @@
               </a:rPr>
               <a:t>关系运算符</a:t>
             </a:r>
+            <a:endParaRPr lang="zh-CN" altLang="en-US" sz="2800" b="1">
+              <a:solidFill>
+                <a:srgbClr val="FF0000"/>
+              </a:solidFill>
+            </a:endParaRPr>
           </a:p>
         </p:txBody>
       </p:sp>
@@ -6048,6 +6118,12 @@
               </a:rPr>
               <a:t>）</a:t>
             </a:r>
+            <a:endParaRPr lang="zh-CN" altLang="en-US" sz="2000" dirty="0">
+              <a:solidFill>
+                <a:schemeClr val="tx1"/>
+              </a:solidFill>
+              <a:sym typeface="+mn-ea"/>
+            </a:endParaRPr>
           </a:p>
           <a:p>
             <a:pPr>
@@ -6156,15 +6232,6 @@
               </a:rPr>
               <a:t>（如果类型不同，先转换再比较）</a:t>
             </a:r>
-            <a:r>
-              <a:rPr lang="en-US" altLang="zh-CN" sz="3200" dirty="0">
-                <a:solidFill>
-                  <a:schemeClr val="tx1"/>
-                </a:solidFill>
-                <a:sym typeface="+mn-ea"/>
-              </a:rPr>
-              <a:t/>
-            </a:r>
             <a:br>
               <a:rPr lang="en-US" altLang="zh-CN" sz="3200" dirty="0">
                 <a:solidFill>
@@ -6236,6 +6303,12 @@
               </a:rPr>
               <a:t>）</a:t>
             </a:r>
+            <a:endParaRPr lang="zh-CN" altLang="en-US" sz="2000" dirty="0">
+              <a:solidFill>
+                <a:schemeClr val="tx1"/>
+              </a:solidFill>
+              <a:sym typeface="+mn-ea"/>
+            </a:endParaRPr>
           </a:p>
           <a:p>
             <a:pPr marL="0" indent="0">
@@ -6244,15 +6317,6 @@
               </a:lnSpc>
               <a:buNone/>
             </a:pPr>
-            <a:r>
-              <a:rPr lang="zh-CN" altLang="en-US" sz="3200" dirty="0">
-                <a:solidFill>
-                  <a:schemeClr val="tx1"/>
-                </a:solidFill>
-                <a:sym typeface="+mn-ea"/>
-              </a:rPr>
-              <a:t/>
-            </a:r>
             <a:br>
               <a:rPr lang="zh-CN" altLang="en-US" sz="3200" dirty="0">
                 <a:solidFill>
@@ -6334,6 +6398,9 @@
               </a:rPr>
               <a:t>关系运算符</a:t>
             </a:r>
+            <a:endParaRPr lang="zh-CN" altLang="en-US" dirty="0" smtClean="0">
+              <a:sym typeface="+mn-ea"/>
+            </a:endParaRPr>
           </a:p>
         </p:txBody>
       </p:sp>
@@ -6390,6 +6457,13 @@
               </a:rPr>
               <a:t>关系运算符实例</a:t>
             </a:r>
+            <a:endParaRPr lang="zh-CN" altLang="en-US" sz="2200">
+              <a:solidFill>
+                <a:srgbClr val="FF0000"/>
+              </a:solidFill>
+              <a:latin typeface="+mn-ea"/>
+              <a:ea typeface="+mn-ea"/>
+            </a:endParaRPr>
           </a:p>
         </p:txBody>
       </p:sp>
@@ -6402,7 +6476,7 @@
           <p:nvPr/>
         </p:nvPicPr>
         <p:blipFill>
-          <a:blip r:embed="rId3"/>
+          <a:blip r:embed="rId1"/>
           <a:stretch>
             <a:fillRect/>
           </a:stretch>
@@ -6426,7 +6500,7 @@
           <p:nvPr/>
         </p:nvPicPr>
         <p:blipFill>
-          <a:blip r:embed="rId4"/>
+          <a:blip r:embed="rId2"/>
           <a:stretch>
             <a:fillRect/>
           </a:stretch>
@@ -6450,7 +6524,7 @@
           <p:nvPr/>
         </p:nvPicPr>
         <p:blipFill>
-          <a:blip r:embed="rId5"/>
+          <a:blip r:embed="rId3"/>
           <a:stretch>
             <a:fillRect/>
           </a:stretch>
@@ -7066,7 +7140,7 @@
           <p:nvPr/>
         </p:nvPicPr>
         <p:blipFill>
-          <a:blip r:embed="rId2" cstate="print">
+          <a:blip r:embed="rId1" cstate="print">
             <a:extLst>
               <a:ext uri="{28A0092B-C50C-407E-A947-70E740481C1C}">
                 <a14:useLocalDpi xmlns:a14="http://schemas.microsoft.com/office/drawing/2010/main" val="0"/>
@@ -7161,7 +7235,7 @@
                   <a:schemeClr val="tx2"/>
                 </a:solidFill>
               </a:rPr>
-              <a:t>Have a</a:t>
+              <a:t>Thank</a:t>
             </a:r>
             <a:r>
               <a:rPr lang="en-US" altLang="zh-CN" sz="5400">
@@ -7169,7 +7243,7 @@
                   <a:schemeClr val="accent3"/>
                 </a:solidFill>
               </a:rPr>
-              <a:t> Break</a:t>
+              <a:t> You</a:t>
             </a:r>
             <a:r>
               <a:rPr lang="zh-CN" altLang="en-US" sz="5400">
@@ -7179,6 +7253,11 @@
               </a:rPr>
               <a:t>！</a:t>
             </a:r>
+            <a:endParaRPr lang="zh-CN" altLang="en-US" sz="5400">
+              <a:solidFill>
+                <a:schemeClr val="tx2"/>
+              </a:solidFill>
+            </a:endParaRPr>
           </a:p>
         </p:txBody>
       </p:sp>
@@ -7191,7 +7270,7 @@
           <p:nvPr/>
         </p:nvPicPr>
         <p:blipFill>
-          <a:blip r:embed="rId3" cstate="print">
+          <a:blip r:embed="rId2" cstate="print">
             <a:extLst>
               <a:ext uri="{28A0092B-C50C-407E-A947-70E740481C1C}">
                 <a14:useLocalDpi xmlns:a14="http://schemas.microsoft.com/office/drawing/2010/main" val="0"/>
@@ -7585,10 +7664,9 @@
       </a:lstStyle>
     </a:lnDef>
   </a:objectDefaults>
-  <a:extraClrSchemeLst/>
   <a:extLst>
     <a:ext uri="{05A4C25C-085E-4340-85A3-A5531E510DB2}">
-      <thm15:themeFamily xmlns="" xmlns:thm15="http://schemas.microsoft.com/office/thememl/2012/main" name="Office Theme" id="{62F939B6-93AF-4DB8-9C6B-D6C7DFDC589F}" vid="{4A3C46E8-61CC-4603-A589-7422A47A8E4A}"/>
+      <thm15:themeFamily xmlns:thm15="http://schemas.microsoft.com/office/thememl/2012/main" name="Office Theme" id="{62F939B6-93AF-4DB8-9C6B-D6C7DFDC589F}" vid="{4A3C46E8-61CC-4603-A589-7422A47A8E4A}"/>
     </a:ext>
   </a:extLst>
 </a:theme>
@@ -7872,11 +7950,9 @@
       </a:bgFillStyleLst>
     </a:fmtScheme>
   </a:themeElements>
-  <a:objectDefaults/>
-  <a:extraClrSchemeLst/>
   <a:extLst>
     <a:ext uri="{05A4C25C-085E-4340-85A3-A5531E510DB2}">
-      <thm15:themeFamily xmlns="" xmlns:thm15="http://schemas.microsoft.com/office/thememl/2012/main" name="Office Theme" id="{62F939B6-93AF-4DB8-9C6B-D6C7DFDC589F}" vid="{4A3C46E8-61CC-4603-A589-7422A47A8E4A}"/>
+      <thm15:themeFamily xmlns:thm15="http://schemas.microsoft.com/office/thememl/2012/main" name="Office Theme" id="{62F939B6-93AF-4DB8-9C6B-D6C7DFDC589F}" vid="{4A3C46E8-61CC-4603-A589-7422A47A8E4A}"/>
     </a:ext>
   </a:extLst>
 </a:theme>

--- a/课程PPT/05.JS赋值、算数、关系运算符.pptx
+++ b/课程PPT/05.JS赋值、算数、关系运算符.pptx
@@ -6230,7 +6230,25 @@
                 </a:solidFill>
                 <a:sym typeface="+mn-ea"/>
               </a:rPr>
-              <a:t>（如果类型不同，先转换再比较）</a:t>
+              <a:t>（相当于</a:t>
+            </a:r>
+            <a:r>
+              <a:rPr lang="en-US" altLang="zh-CN" sz="2000" dirty="0">
+                <a:solidFill>
+                  <a:schemeClr val="tx1"/>
+                </a:solidFill>
+                <a:sym typeface="+mn-ea"/>
+              </a:rPr>
+              <a:t>==</a:t>
+            </a:r>
+            <a:r>
+              <a:rPr lang="zh-CN" altLang="en-US" sz="2000" dirty="0">
+                <a:solidFill>
+                  <a:schemeClr val="tx1"/>
+                </a:solidFill>
+                <a:sym typeface="+mn-ea"/>
+              </a:rPr>
+              <a:t>的逆运算）</a:t>
             </a:r>
             <a:br>
               <a:rPr lang="en-US" altLang="zh-CN" sz="3200" dirty="0">
@@ -6283,7 +6301,7 @@
                 </a:solidFill>
                 <a:sym typeface="+mn-ea"/>
               </a:rPr>
-              <a:t>，若类型相同则判断同！</a:t>
+              <a:t>，相当于</a:t>
             </a:r>
             <a:r>
               <a:rPr lang="en-US" altLang="zh-CN" sz="2000" dirty="0">
@@ -6292,7 +6310,7 @@
                 </a:solidFill>
                 <a:sym typeface="+mn-ea"/>
               </a:rPr>
-              <a:t>=</a:t>
+              <a:t>===</a:t>
             </a:r>
             <a:r>
               <a:rPr lang="zh-CN" altLang="en-US" sz="2000" dirty="0">
@@ -6301,68 +6319,17 @@
                 </a:solidFill>
                 <a:sym typeface="+mn-ea"/>
               </a:rPr>
+              <a:t>的逆运算</a:t>
+            </a:r>
+            <a:r>
+              <a:rPr lang="zh-CN" altLang="en-US" sz="2000" dirty="0">
+                <a:solidFill>
+                  <a:schemeClr val="tx1"/>
+                </a:solidFill>
+                <a:sym typeface="+mn-ea"/>
+              </a:rPr>
               <a:t>）</a:t>
             </a:r>
-            <a:endParaRPr lang="zh-CN" altLang="en-US" sz="2000" dirty="0">
-              <a:solidFill>
-                <a:schemeClr val="tx1"/>
-              </a:solidFill>
-              <a:sym typeface="+mn-ea"/>
-            </a:endParaRPr>
-          </a:p>
-          <a:p>
-            <a:pPr marL="0" indent="0">
-              <a:lnSpc>
-                <a:spcPct val="140000"/>
-              </a:lnSpc>
-              <a:buNone/>
-            </a:pPr>
-            <a:br>
-              <a:rPr lang="zh-CN" altLang="en-US" sz="3200" dirty="0">
-                <a:solidFill>
-                  <a:schemeClr val="tx1"/>
-                </a:solidFill>
-                <a:sym typeface="+mn-ea"/>
-              </a:rPr>
-            </a:br>
-            <a:endParaRPr lang="en-US" altLang="zh-CN" sz="2000" dirty="0">
-              <a:solidFill>
-                <a:schemeClr val="tx1"/>
-              </a:solidFill>
-              <a:sym typeface="+mn-ea"/>
-            </a:endParaRPr>
-          </a:p>
-          <a:p>
-            <a:pPr>
-              <a:lnSpc>
-                <a:spcPct val="140000"/>
-              </a:lnSpc>
-            </a:pPr>
-            <a:endParaRPr lang="zh-CN" altLang="en-US" sz="2000" dirty="0">
-              <a:solidFill>
-                <a:schemeClr val="tx1"/>
-              </a:solidFill>
-              <a:sym typeface="+mn-ea"/>
-            </a:endParaRPr>
-          </a:p>
-          <a:p>
-            <a:pPr marL="168275" lvl="1" indent="0">
-              <a:lnSpc>
-                <a:spcPct val="150000"/>
-              </a:lnSpc>
-              <a:buNone/>
-            </a:pPr>
-            <a:endParaRPr lang="zh-CN" altLang="en-US" sz="2200" dirty="0">
-              <a:sym typeface="+mn-ea"/>
-            </a:endParaRPr>
-          </a:p>
-          <a:p>
-            <a:pPr marL="168275" lvl="1" indent="0">
-              <a:lnSpc>
-                <a:spcPct val="150000"/>
-              </a:lnSpc>
-              <a:buNone/>
-            </a:pPr>
             <a:endParaRPr lang="en-US" altLang="zh-CN" sz="3200" dirty="0">
               <a:solidFill>
                 <a:srgbClr val="006F53"/>
